--- a/Documentacao/ModelagemSistema_TemplateInicial [Salvo automaticamente].pptx
+++ b/Documentacao/ModelagemSistema_TemplateInicial [Salvo automaticamente].pptx
@@ -221,7 +221,7 @@
           <a:p>
             <a:fld id="{93DDA81E-B6DD-4CA0-9C2D-B0C27B95DC2C}" type="datetimeFigureOut">
               <a:rPr lang="pt-BR" smtClean="0"/>
-              <a:t>10/02/2025</a:t>
+              <a:t>13/03/2025</a:t>
             </a:fld>
             <a:endParaRPr lang="pt-BR"/>
           </a:p>
@@ -3068,7 +3068,7 @@
           <a:p>
             <a:fld id="{C128FA71-3A18-48C0-980F-4B68F7F63042}" type="datetime1">
               <a:rPr lang="en-US" smtClean="0"/>
-              <a:t>2/10/2025</a:t>
+              <a:t>3/13/2025</a:t>
             </a:fld>
             <a:endParaRPr lang="en-US"/>
           </a:p>
@@ -3276,7 +3276,7 @@
           <a:p>
             <a:fld id="{7104EDB3-C0E8-45F8-9E1D-1B6C8D1880C0}" type="datetime1">
               <a:rPr lang="en-US" smtClean="0"/>
-              <a:t>2/10/2025</a:t>
+              <a:t>3/13/2025</a:t>
             </a:fld>
             <a:endParaRPr lang="en-US"/>
           </a:p>
@@ -3486,7 +3486,7 @@
           <a:p>
             <a:fld id="{9CF0EC4B-54ED-4041-B552-9BA760FA3DBA}" type="datetime1">
               <a:rPr lang="en-US" smtClean="0"/>
-              <a:t>2/10/2025</a:t>
+              <a:t>3/13/2025</a:t>
             </a:fld>
             <a:endParaRPr lang="en-US"/>
           </a:p>
@@ -3684,7 +3684,7 @@
           <a:p>
             <a:fld id="{51C1210E-201E-4473-82AC-2466F5386C38}" type="datetime1">
               <a:rPr lang="en-US" smtClean="0"/>
-              <a:t>2/10/2025</a:t>
+              <a:t>3/13/2025</a:t>
             </a:fld>
             <a:endParaRPr lang="en-US"/>
           </a:p>
@@ -3962,7 +3962,7 @@
           <a:p>
             <a:fld id="{B01EA198-6CAB-4B8F-B93F-1F9C8C4B6CE7}" type="datetime1">
               <a:rPr lang="en-US" smtClean="0"/>
-              <a:t>2/10/2025</a:t>
+              <a:t>3/13/2025</a:t>
             </a:fld>
             <a:endParaRPr lang="en-US"/>
           </a:p>
@@ -4234,7 +4234,7 @@
           <a:p>
             <a:fld id="{CA06041F-4525-44D5-AA4F-332294BF1F56}" type="datetime1">
               <a:rPr lang="en-US" smtClean="0"/>
-              <a:t>2/10/2025</a:t>
+              <a:t>3/13/2025</a:t>
             </a:fld>
             <a:endParaRPr lang="en-US"/>
           </a:p>
@@ -4658,7 +4658,7 @@
           <a:p>
             <a:fld id="{F9557091-BBDF-4EB9-BA6B-2BB67AC4FC0F}" type="datetime1">
               <a:rPr lang="en-US" smtClean="0"/>
-              <a:t>2/10/2025</a:t>
+              <a:t>3/13/2025</a:t>
             </a:fld>
             <a:endParaRPr lang="en-US"/>
           </a:p>
@@ -4799,7 +4799,7 @@
           <a:p>
             <a:fld id="{2D6B226B-77A6-410C-9796-083F278E0125}" type="datetime1">
               <a:rPr lang="en-US" smtClean="0"/>
-              <a:t>2/10/2025</a:t>
+              <a:t>3/13/2025</a:t>
             </a:fld>
             <a:endParaRPr lang="en-US"/>
           </a:p>
@@ -4912,7 +4912,7 @@
           <a:p>
             <a:fld id="{A23A578B-D289-4C40-8593-3D356C49DA58}" type="datetime1">
               <a:rPr lang="en-US" smtClean="0"/>
-              <a:t>2/10/2025</a:t>
+              <a:t>3/13/2025</a:t>
             </a:fld>
             <a:endParaRPr lang="en-US"/>
           </a:p>
@@ -5231,7 +5231,7 @@
           <a:p>
             <a:fld id="{713DFAE3-14DB-48A7-A80F-80DDB072CE3D}" type="datetime1">
               <a:rPr lang="en-US" smtClean="0"/>
-              <a:t>2/10/2025</a:t>
+              <a:t>3/13/2025</a:t>
             </a:fld>
             <a:endParaRPr lang="en-US"/>
           </a:p>
@@ -5525,7 +5525,7 @@
           <a:p>
             <a:fld id="{92C5EAEF-6478-4102-8F5D-A5FE9FC97ACB}" type="datetime1">
               <a:rPr lang="en-US" smtClean="0"/>
-              <a:t>2/10/2025</a:t>
+              <a:t>3/13/2025</a:t>
             </a:fld>
             <a:endParaRPr lang="en-US"/>
           </a:p>
@@ -5766,7 +5766,7 @@
           <a:p>
             <a:fld id="{67F45AC6-C491-4585-A584-9CE2AF7D5500}" type="datetime1">
               <a:rPr lang="en-US" smtClean="0"/>
-              <a:t>2/10/2025</a:t>
+              <a:t>3/13/2025</a:t>
             </a:fld>
             <a:endParaRPr lang="en-US"/>
           </a:p>
@@ -6196,7 +6196,7 @@
                 <a16:creationId xmlns:a16="http://schemas.microsoft.com/office/drawing/2014/main" id="{6E448DB1-4196-18A6-15DA-C72635C1B11E}"/>
               </a:ext>
               <a:ext uri="{C183D7F6-B498-43B3-948B-1728B52AA6E4}">
-                <adec:decorative xmlns:adec="http://schemas.microsoft.com/office/drawing/2017/decorative" xmlns="" val="1"/>
+                <adec:decorative xmlns="" xmlns:adec="http://schemas.microsoft.com/office/drawing/2017/decorative" val="1"/>
               </a:ext>
             </a:extLst>
           </p:cNvPr>
@@ -6304,7 +6304,7 @@
                 <a16:creationId xmlns:a16="http://schemas.microsoft.com/office/drawing/2014/main" id="{76A10D8F-D463-70E5-239B-17AD65EF433D}"/>
               </a:ext>
               <a:ext uri="{C183D7F6-B498-43B3-948B-1728B52AA6E4}">
-                <adec:decorative xmlns:adec="http://schemas.microsoft.com/office/drawing/2017/decorative" xmlns="" val="1"/>
+                <adec:decorative xmlns="" xmlns:adec="http://schemas.microsoft.com/office/drawing/2017/decorative" val="1"/>
               </a:ext>
             </a:extLst>
           </p:cNvPr>
@@ -6483,9 +6483,14 @@
           <a:p>
             <a:pPr algn="l"/>
             <a:r>
-              <a:rPr lang="pt-BR" sz="2200" dirty="0"/>
-              <a:t>Nome do Aluno</a:t>
-            </a:r>
+              <a:rPr lang="pt-BR" sz="2200" dirty="0" err="1" smtClean="0"/>
+              <a:t>Cauan</a:t>
+            </a:r>
+            <a:endParaRPr lang="pt-BR" sz="2200" dirty="0" smtClean="0"/>
+          </a:p>
+          <a:p>
+            <a:pPr algn="l"/>
+            <a:endParaRPr lang="pt-BR" sz="2200" dirty="0"/>
           </a:p>
         </p:txBody>
       </p:sp>
@@ -6765,7 +6770,7 @@
                 <a16:creationId xmlns:a16="http://schemas.microsoft.com/office/drawing/2014/main" id="{74EA76C7-8C08-E029-0E79-750B71C94A62}"/>
               </a:ext>
               <a:ext uri="{C183D7F6-B498-43B3-948B-1728B52AA6E4}">
-                <adec:decorative xmlns:adec="http://schemas.microsoft.com/office/drawing/2017/decorative" xmlns="" val="1"/>
+                <adec:decorative xmlns="" xmlns:adec="http://schemas.microsoft.com/office/drawing/2017/decorative" val="1"/>
               </a:ext>
             </a:extLst>
           </p:cNvPr>
@@ -6904,7 +6909,7 @@
             <p:ph sz="half" idx="2"/>
             <p:extLst>
               <p:ext uri="{E7BDC344-281C-4309-B0C6-D0EE65EED2A8}">
-                <p202:designPr xmlns:p202="http://schemas.microsoft.com/office/powerpoint/2020/02/main" xmlns="">
+                <p202:designPr xmlns="" xmlns:p202="http://schemas.microsoft.com/office/powerpoint/2020/02/main">
                   <p202:designTagLst>
                     <p202:designTag name="ARCH:1:CLS" val="InformationBlock"/>
                     <p202:designTag name="ARCH:1:VSVAR" val="TitledTextBox"/>
@@ -7200,7 +7205,7 @@
                 <a16:creationId xmlns:a16="http://schemas.microsoft.com/office/drawing/2014/main" id="{74EA76C7-8C08-E029-0E79-750B71C94A62}"/>
               </a:ext>
               <a:ext uri="{C183D7F6-B498-43B3-948B-1728B52AA6E4}">
-                <adec:decorative xmlns:adec="http://schemas.microsoft.com/office/drawing/2017/decorative" xmlns="" val="1"/>
+                <adec:decorative xmlns="" xmlns:adec="http://schemas.microsoft.com/office/drawing/2017/decorative" val="1"/>
               </a:ext>
             </a:extLst>
           </p:cNvPr>
@@ -7961,7 +7966,7 @@
                 <a16:creationId xmlns:a16="http://schemas.microsoft.com/office/drawing/2014/main" id="{5E8D3B17-7638-DFD3-18E4-8A6D611749CF}"/>
               </a:ext>
               <a:ext uri="{C183D7F6-B498-43B3-948B-1728B52AA6E4}">
-                <adec:decorative xmlns:adec="http://schemas.microsoft.com/office/drawing/2017/decorative" xmlns="" val="1"/>
+                <adec:decorative xmlns="" xmlns:adec="http://schemas.microsoft.com/office/drawing/2017/decorative" val="1"/>
               </a:ext>
             </a:extLst>
           </p:cNvPr>
@@ -8396,7 +8401,7 @@
                 <a16:creationId xmlns:a16="http://schemas.microsoft.com/office/drawing/2014/main" id="{B8ADE68D-5E75-5D63-4B8C-6BEFCE9D06E3}"/>
               </a:ext>
               <a:ext uri="{C183D7F6-B498-43B3-948B-1728B52AA6E4}">
-                <adec:decorative xmlns:adec="http://schemas.microsoft.com/office/drawing/2017/decorative" xmlns="" val="1"/>
+                <adec:decorative xmlns="" xmlns:adec="http://schemas.microsoft.com/office/drawing/2017/decorative" val="1"/>
               </a:ext>
             </a:extLst>
           </p:cNvPr>
@@ -11120,7 +11125,7 @@
                 <a16:creationId xmlns:a16="http://schemas.microsoft.com/office/drawing/2014/main" id="{8450EF29-A29A-9417-2B09-074C04064425}"/>
               </a:ext>
               <a:ext uri="{C183D7F6-B498-43B3-948B-1728B52AA6E4}">
-                <adec:decorative xmlns:adec="http://schemas.microsoft.com/office/drawing/2017/decorative" xmlns="" val="1"/>
+                <adec:decorative xmlns="" xmlns:adec="http://schemas.microsoft.com/office/drawing/2017/decorative" val="1"/>
               </a:ext>
             </a:extLst>
           </p:cNvPr>
@@ -11777,7 +11782,7 @@
                 <a16:creationId xmlns:a16="http://schemas.microsoft.com/office/drawing/2014/main" id="{8450EF29-A29A-9417-2B09-074C04064425}"/>
               </a:ext>
               <a:ext uri="{C183D7F6-B498-43B3-948B-1728B52AA6E4}">
-                <adec:decorative xmlns:adec="http://schemas.microsoft.com/office/drawing/2017/decorative" xmlns="" val="1"/>
+                <adec:decorative xmlns="" xmlns:adec="http://schemas.microsoft.com/office/drawing/2017/decorative" val="1"/>
               </a:ext>
             </a:extLst>
           </p:cNvPr>
@@ -12469,7 +12474,7 @@
                 <a16:creationId xmlns:a16="http://schemas.microsoft.com/office/drawing/2014/main" id="{8450EF29-A29A-9417-2B09-074C04064425}"/>
               </a:ext>
               <a:ext uri="{C183D7F6-B498-43B3-948B-1728B52AA6E4}">
-                <adec:decorative xmlns:adec="http://schemas.microsoft.com/office/drawing/2017/decorative" xmlns="" val="1"/>
+                <adec:decorative xmlns="" xmlns:adec="http://schemas.microsoft.com/office/drawing/2017/decorative" val="1"/>
               </a:ext>
             </a:extLst>
           </p:cNvPr>
@@ -13236,7 +13241,7 @@
                 <a16:creationId xmlns:a16="http://schemas.microsoft.com/office/drawing/2014/main" id="{8450EF29-A29A-9417-2B09-074C04064425}"/>
               </a:ext>
               <a:ext uri="{C183D7F6-B498-43B3-948B-1728B52AA6E4}">
-                <adec:decorative xmlns:adec="http://schemas.microsoft.com/office/drawing/2017/decorative" xmlns="" val="1"/>
+                <adec:decorative xmlns="" xmlns:adec="http://schemas.microsoft.com/office/drawing/2017/decorative" val="1"/>
               </a:ext>
             </a:extLst>
           </p:cNvPr>
@@ -13944,7 +13949,7 @@
                 <a16:creationId xmlns:a16="http://schemas.microsoft.com/office/drawing/2014/main" id="{8450EF29-A29A-9417-2B09-074C04064425}"/>
               </a:ext>
               <a:ext uri="{C183D7F6-B498-43B3-948B-1728B52AA6E4}">
-                <adec:decorative xmlns:adec="http://schemas.microsoft.com/office/drawing/2017/decorative" xmlns="" val="1"/>
+                <adec:decorative xmlns="" xmlns:adec="http://schemas.microsoft.com/office/drawing/2017/decorative" val="1"/>
               </a:ext>
             </a:extLst>
           </p:cNvPr>
@@ -14646,7 +14651,7 @@
                 <a16:creationId xmlns:a16="http://schemas.microsoft.com/office/drawing/2014/main" id="{5E8D3B17-7638-DFD3-18E4-8A6D611749CF}"/>
               </a:ext>
               <a:ext uri="{C183D7F6-B498-43B3-948B-1728B52AA6E4}">
-                <adec:decorative xmlns:adec="http://schemas.microsoft.com/office/drawing/2017/decorative" xmlns="" val="1"/>
+                <adec:decorative xmlns="" xmlns:adec="http://schemas.microsoft.com/office/drawing/2017/decorative" val="1"/>
               </a:ext>
             </a:extLst>
           </p:cNvPr>
@@ -14855,7 +14860,7 @@
             <p:ph sz="half" idx="2"/>
             <p:extLst>
               <p:ext uri="{E7BDC344-281C-4309-B0C6-D0EE65EED2A8}">
-                <p202:designPr xmlns:p202="http://schemas.microsoft.com/office/powerpoint/2020/02/main" xmlns="">
+                <p202:designPr xmlns="" xmlns:p202="http://schemas.microsoft.com/office/powerpoint/2020/02/main">
                   <p202:designTagLst>
                     <p202:designTag name="ARCH:1:CLS" val="InformationBlock"/>
                     <p202:designTag name="ARCH:1:VSVAR" val="TitledTextBox"/>
@@ -15107,7 +15112,7 @@
                 <a16:creationId xmlns:a16="http://schemas.microsoft.com/office/drawing/2014/main" id="{5E8D3B17-7638-DFD3-18E4-8A6D611749CF}"/>
               </a:ext>
               <a:ext uri="{C183D7F6-B498-43B3-948B-1728B52AA6E4}">
-                <adec:decorative xmlns:adec="http://schemas.microsoft.com/office/drawing/2017/decorative" xmlns="" val="1"/>
+                <adec:decorative xmlns="" xmlns:adec="http://schemas.microsoft.com/office/drawing/2017/decorative" val="1"/>
               </a:ext>
             </a:extLst>
           </p:cNvPr>
@@ -15267,7 +15272,7 @@
                 <a16:creationId xmlns:a16="http://schemas.microsoft.com/office/drawing/2014/main" id="{5E8D3B17-7638-DFD3-18E4-8A6D611749CF}"/>
               </a:ext>
               <a:ext uri="{C183D7F6-B498-43B3-948B-1728B52AA6E4}">
-                <adec:decorative xmlns:adec="http://schemas.microsoft.com/office/drawing/2017/decorative" xmlns="" val="1"/>
+                <adec:decorative xmlns="" xmlns:adec="http://schemas.microsoft.com/office/drawing/2017/decorative" val="1"/>
               </a:ext>
             </a:extLst>
           </p:cNvPr>
@@ -15511,7 +15516,7 @@
                 <a16:creationId xmlns:a16="http://schemas.microsoft.com/office/drawing/2014/main" id="{5E8D3B17-7638-DFD3-18E4-8A6D611749CF}"/>
               </a:ext>
               <a:ext uri="{C183D7F6-B498-43B3-948B-1728B52AA6E4}">
-                <adec:decorative xmlns:adec="http://schemas.microsoft.com/office/drawing/2017/decorative" xmlns="" val="1"/>
+                <adec:decorative xmlns="" xmlns:adec="http://schemas.microsoft.com/office/drawing/2017/decorative" val="1"/>
               </a:ext>
             </a:extLst>
           </p:cNvPr>
@@ -15746,7 +15751,7 @@
         </p:nvSpPr>
         <p:spPr>
           <a:xfrm>
-            <a:off x="999067" y="1224844"/>
+            <a:off x="920044" y="1319049"/>
             <a:ext cx="10193866" cy="5317067"/>
           </a:xfrm>
           <a:prstGeom prst="rect">
@@ -16523,7 +16528,7 @@
                 <a16:creationId xmlns:a16="http://schemas.microsoft.com/office/drawing/2014/main" id="{5E8D3B17-7638-DFD3-18E4-8A6D611749CF}"/>
               </a:ext>
               <a:ext uri="{C183D7F6-B498-43B3-948B-1728B52AA6E4}">
-                <adec:decorative xmlns:adec="http://schemas.microsoft.com/office/drawing/2017/decorative" xmlns="" val="1"/>
+                <adec:decorative xmlns="" xmlns:adec="http://schemas.microsoft.com/office/drawing/2017/decorative" val="1"/>
               </a:ext>
             </a:extLst>
           </p:cNvPr>
@@ -17254,7 +17259,7 @@
                 <a16:creationId xmlns:a16="http://schemas.microsoft.com/office/drawing/2014/main" id="{5E8D3B17-7638-DFD3-18E4-8A6D611749CF}"/>
               </a:ext>
               <a:ext uri="{C183D7F6-B498-43B3-948B-1728B52AA6E4}">
-                <adec:decorative xmlns:adec="http://schemas.microsoft.com/office/drawing/2017/decorative" xmlns="" val="1"/>
+                <adec:decorative xmlns="" xmlns:adec="http://schemas.microsoft.com/office/drawing/2017/decorative" val="1"/>
               </a:ext>
             </a:extLst>
           </p:cNvPr>
@@ -18121,7 +18126,7 @@
                 <a16:creationId xmlns:a16="http://schemas.microsoft.com/office/drawing/2014/main" id="{5E8D3B17-7638-DFD3-18E4-8A6D611749CF}"/>
               </a:ext>
               <a:ext uri="{C183D7F6-B498-43B3-948B-1728B52AA6E4}">
-                <adec:decorative xmlns:adec="http://schemas.microsoft.com/office/drawing/2017/decorative" xmlns="" val="1"/>
+                <adec:decorative xmlns="" xmlns:adec="http://schemas.microsoft.com/office/drawing/2017/decorative" val="1"/>
               </a:ext>
             </a:extLst>
           </p:cNvPr>
@@ -18258,7 +18263,7 @@
             <p:ph sz="half" idx="2"/>
             <p:extLst>
               <p:ext uri="{E7BDC344-281C-4309-B0C6-D0EE65EED2A8}">
-                <p202:designPr xmlns:p202="http://schemas.microsoft.com/office/powerpoint/2020/02/main" xmlns="">
+                <p202:designPr xmlns="" xmlns:p202="http://schemas.microsoft.com/office/powerpoint/2020/02/main">
                   <p202:designTagLst>
                     <p202:designTag name="ARCH:1:CLS" val="InformationBlock"/>
                     <p202:designTag name="ARCH:1:VSVAR" val="TitledTextBox"/>
@@ -18484,7 +18489,7 @@
                 <a16:creationId xmlns:a16="http://schemas.microsoft.com/office/drawing/2014/main" id="{5E8D3B17-7638-DFD3-18E4-8A6D611749CF}"/>
               </a:ext>
               <a:ext uri="{C183D7F6-B498-43B3-948B-1728B52AA6E4}">
-                <adec:decorative xmlns:adec="http://schemas.microsoft.com/office/drawing/2017/decorative" xmlns="" val="1"/>
+                <adec:decorative xmlns="" xmlns:adec="http://schemas.microsoft.com/office/drawing/2017/decorative" val="1"/>
               </a:ext>
             </a:extLst>
           </p:cNvPr>
@@ -18611,7 +18616,7 @@
             <p:ph sz="half" idx="2"/>
             <p:extLst>
               <p:ext uri="{E7BDC344-281C-4309-B0C6-D0EE65EED2A8}">
-                <p202:designPr xmlns:p202="http://schemas.microsoft.com/office/powerpoint/2020/02/main" xmlns="">
+                <p202:designPr xmlns="" xmlns:p202="http://schemas.microsoft.com/office/powerpoint/2020/02/main">
                   <p202:designTagLst>
                     <p202:designTag name="ARCH:1:CLS" val="InformationBlock"/>
                     <p202:designTag name="ARCH:1:VSVAR" val="TitledTextBox"/>
@@ -18928,7 +18933,7 @@
                 <a16:creationId xmlns:a16="http://schemas.microsoft.com/office/drawing/2014/main" id="{E1D40FB4-97DC-F5FF-9E7A-C10E078A1532}"/>
               </a:ext>
               <a:ext uri="{C183D7F6-B498-43B3-948B-1728B52AA6E4}">
-                <adec:decorative xmlns:adec="http://schemas.microsoft.com/office/drawing/2017/decorative" xmlns="" val="1"/>
+                <adec:decorative xmlns="" xmlns:adec="http://schemas.microsoft.com/office/drawing/2017/decorative" val="1"/>
               </a:ext>
             </a:extLst>
           </p:cNvPr>
@@ -19058,7 +19063,7 @@
             <p:ph sz="half" idx="2"/>
             <p:extLst>
               <p:ext uri="{E7BDC344-281C-4309-B0C6-D0EE65EED2A8}">
-                <p202:designPr xmlns:p202="http://schemas.microsoft.com/office/powerpoint/2020/02/main" xmlns="">
+                <p202:designPr xmlns="" xmlns:p202="http://schemas.microsoft.com/office/powerpoint/2020/02/main">
                   <p202:designTagLst>
                     <p202:designTag name="ARCH:1:CLS" val="InformationBlock"/>
                     <p202:designTag name="ARCH:1:VSVAR" val="TitledTextBox"/>
@@ -19316,7 +19321,7 @@
                 <a16:creationId xmlns:a16="http://schemas.microsoft.com/office/drawing/2014/main" id="{A51D6A68-C3BD-3399-CCA8-A7290FC8E09C}"/>
               </a:ext>
               <a:ext uri="{C183D7F6-B498-43B3-948B-1728B52AA6E4}">
-                <adec:decorative xmlns:adec="http://schemas.microsoft.com/office/drawing/2017/decorative" xmlns="" val="1"/>
+                <adec:decorative xmlns="" xmlns:adec="http://schemas.microsoft.com/office/drawing/2017/decorative" val="1"/>
               </a:ext>
             </a:extLst>
           </p:cNvPr>
@@ -19444,7 +19449,7 @@
             <p:ph sz="half" idx="2"/>
             <p:extLst>
               <p:ext uri="{E7BDC344-281C-4309-B0C6-D0EE65EED2A8}">
-                <p202:designPr xmlns:p202="http://schemas.microsoft.com/office/powerpoint/2020/02/main" xmlns="">
+                <p202:designPr xmlns="" xmlns:p202="http://schemas.microsoft.com/office/powerpoint/2020/02/main">
                   <p202:designTagLst>
                     <p202:designTag name="ARCH:1:CLS" val="InformationBlock"/>
                     <p202:designTag name="ARCH:1:VSVAR" val="TitledTextBox"/>
@@ -19702,7 +19707,7 @@
                 <a16:creationId xmlns:a16="http://schemas.microsoft.com/office/drawing/2014/main" id="{7F39A533-5E9C-439F-5CF1-06FFAB778C1F}"/>
               </a:ext>
               <a:ext uri="{C183D7F6-B498-43B3-948B-1728B52AA6E4}">
-                <adec:decorative xmlns:adec="http://schemas.microsoft.com/office/drawing/2017/decorative" xmlns="" val="1"/>
+                <adec:decorative xmlns="" xmlns:adec="http://schemas.microsoft.com/office/drawing/2017/decorative" val="1"/>
               </a:ext>
             </a:extLst>
           </p:cNvPr>
@@ -19830,7 +19835,7 @@
             <p:ph sz="half" idx="2"/>
             <p:extLst>
               <p:ext uri="{E7BDC344-281C-4309-B0C6-D0EE65EED2A8}">
-                <p202:designPr xmlns:p202="http://schemas.microsoft.com/office/powerpoint/2020/02/main" xmlns="">
+                <p202:designPr xmlns="" xmlns:p202="http://schemas.microsoft.com/office/powerpoint/2020/02/main">
                   <p202:designTagLst>
                     <p202:designTag name="ARCH:1:CLS" val="InformationBlock"/>
                     <p202:designTag name="ARCH:1:VSVAR" val="TitledTextBox"/>
@@ -20103,7 +20108,7 @@
                 <a16:creationId xmlns:a16="http://schemas.microsoft.com/office/drawing/2014/main" id="{A82A2D76-411A-C189-4AD9-642686996848}"/>
               </a:ext>
               <a:ext uri="{C183D7F6-B498-43B3-948B-1728B52AA6E4}">
-                <adec:decorative xmlns:adec="http://schemas.microsoft.com/office/drawing/2017/decorative" xmlns="" val="1"/>
+                <adec:decorative xmlns="" xmlns:adec="http://schemas.microsoft.com/office/drawing/2017/decorative" val="1"/>
               </a:ext>
             </a:extLst>
           </p:cNvPr>
@@ -20231,7 +20236,7 @@
             <p:ph sz="half" idx="2"/>
             <p:extLst>
               <p:ext uri="{E7BDC344-281C-4309-B0C6-D0EE65EED2A8}">
-                <p202:designPr xmlns:p202="http://schemas.microsoft.com/office/powerpoint/2020/02/main" xmlns="">
+                <p202:designPr xmlns="" xmlns:p202="http://schemas.microsoft.com/office/powerpoint/2020/02/main">
                   <p202:designTagLst>
                     <p202:designTag name="ARCH:1:CLS" val="InformationBlock"/>
                     <p202:designTag name="ARCH:1:VSVAR" val="TitledTextBox"/>
@@ -20492,7 +20497,7 @@
                 <a16:creationId xmlns:a16="http://schemas.microsoft.com/office/drawing/2014/main" id="{E482AA53-DA69-E258-8B64-8F8CE86FCDD4}"/>
               </a:ext>
               <a:ext uri="{C183D7F6-B498-43B3-948B-1728B52AA6E4}">
-                <adec:decorative xmlns:adec="http://schemas.microsoft.com/office/drawing/2017/decorative" xmlns="" val="1"/>
+                <adec:decorative xmlns="" xmlns:adec="http://schemas.microsoft.com/office/drawing/2017/decorative" val="1"/>
               </a:ext>
             </a:extLst>
           </p:cNvPr>
@@ -20620,7 +20625,7 @@
             <p:ph sz="half" idx="2"/>
             <p:extLst>
               <p:ext uri="{E7BDC344-281C-4309-B0C6-D0EE65EED2A8}">
-                <p202:designPr xmlns:p202="http://schemas.microsoft.com/office/powerpoint/2020/02/main" xmlns="">
+                <p202:designPr xmlns="" xmlns:p202="http://schemas.microsoft.com/office/powerpoint/2020/02/main">
                   <p202:designTagLst>
                     <p202:designTag name="ARCH:1:CLS" val="InformationBlock"/>
                     <p202:designTag name="ARCH:1:VSVAR" val="TitledTextBox"/>
@@ -20896,7 +20901,7 @@
                 <a16:creationId xmlns:a16="http://schemas.microsoft.com/office/drawing/2014/main" id="{5C27E16A-554C-D4AC-900E-AA69DDAEDE03}"/>
               </a:ext>
               <a:ext uri="{C183D7F6-B498-43B3-948B-1728B52AA6E4}">
-                <adec:decorative xmlns:adec="http://schemas.microsoft.com/office/drawing/2017/decorative" xmlns="" val="1"/>
+                <adec:decorative xmlns="" xmlns:adec="http://schemas.microsoft.com/office/drawing/2017/decorative" val="1"/>
               </a:ext>
             </a:extLst>
           </p:cNvPr>
@@ -21024,7 +21029,7 @@
             <p:ph sz="half" idx="2"/>
             <p:extLst>
               <p:ext uri="{E7BDC344-281C-4309-B0C6-D0EE65EED2A8}">
-                <p202:designPr xmlns:p202="http://schemas.microsoft.com/office/powerpoint/2020/02/main" xmlns="">
+                <p202:designPr xmlns="" xmlns:p202="http://schemas.microsoft.com/office/powerpoint/2020/02/main">
                   <p202:designTagLst>
                     <p202:designTag name="ARCH:1:CLS" val="InformationBlock"/>
                     <p202:designTag name="ARCH:1:VSVAR" val="TitledTextBox"/>
